--- a/supp/Publication/images/RawPPT/2010-IROS-DepthMap.pptx
+++ b/supp/Publication/images/RawPPT/2010-IROS-DepthMap.pptx
@@ -5,17 +5,18 @@
     <p:sldMasterId id="2147483648" r:id="rId1"/>
   </p:sldMasterIdLst>
   <p:sldIdLst>
-    <p:sldId id="257" r:id="rId2"/>
-    <p:sldId id="258" r:id="rId3"/>
+    <p:sldId id="260" r:id="rId2"/>
+    <p:sldId id="259" r:id="rId3"/>
+    <p:sldId id="257" r:id="rId4"/>
   </p:sldIdLst>
-  <p:sldSz cx="21602700" cy="14401800"/>
+  <p:sldSz cx="14400213" cy="7199313"/>
   <p:notesSz cx="6858000" cy="9144000"/>
   <p:defaultTextStyle>
     <a:defPPr>
       <a:defRPr lang="en-US"/>
     </a:defPPr>
-    <a:lvl1pPr marL="0" algn="l" defTabSz="2057400" rtl="0" eaLnBrk="1" latinLnBrk="0" hangingPunct="1">
-      <a:defRPr sz="4100" kern="1200">
+    <a:lvl1pPr marL="0" algn="l" defTabSz="1234234" rtl="0" eaLnBrk="1" latinLnBrk="0" hangingPunct="1">
+      <a:defRPr sz="2460" kern="1200">
         <a:solidFill>
           <a:schemeClr val="tx1"/>
         </a:solidFill>
@@ -24,8 +25,8 @@
         <a:cs typeface="+mn-cs"/>
       </a:defRPr>
     </a:lvl1pPr>
-    <a:lvl2pPr marL="1028700" algn="l" defTabSz="2057400" rtl="0" eaLnBrk="1" latinLnBrk="0" hangingPunct="1">
-      <a:defRPr sz="4100" kern="1200">
+    <a:lvl2pPr marL="617117" algn="l" defTabSz="1234234" rtl="0" eaLnBrk="1" latinLnBrk="0" hangingPunct="1">
+      <a:defRPr sz="2460" kern="1200">
         <a:solidFill>
           <a:schemeClr val="tx1"/>
         </a:solidFill>
@@ -34,8 +35,8 @@
         <a:cs typeface="+mn-cs"/>
       </a:defRPr>
     </a:lvl2pPr>
-    <a:lvl3pPr marL="2057400" algn="l" defTabSz="2057400" rtl="0" eaLnBrk="1" latinLnBrk="0" hangingPunct="1">
-      <a:defRPr sz="4100" kern="1200">
+    <a:lvl3pPr marL="1234234" algn="l" defTabSz="1234234" rtl="0" eaLnBrk="1" latinLnBrk="0" hangingPunct="1">
+      <a:defRPr sz="2460" kern="1200">
         <a:solidFill>
           <a:schemeClr val="tx1"/>
         </a:solidFill>
@@ -44,8 +45,8 @@
         <a:cs typeface="+mn-cs"/>
       </a:defRPr>
     </a:lvl3pPr>
-    <a:lvl4pPr marL="3086100" algn="l" defTabSz="2057400" rtl="0" eaLnBrk="1" latinLnBrk="0" hangingPunct="1">
-      <a:defRPr sz="4100" kern="1200">
+    <a:lvl4pPr marL="1851351" algn="l" defTabSz="1234234" rtl="0" eaLnBrk="1" latinLnBrk="0" hangingPunct="1">
+      <a:defRPr sz="2460" kern="1200">
         <a:solidFill>
           <a:schemeClr val="tx1"/>
         </a:solidFill>
@@ -54,8 +55,8 @@
         <a:cs typeface="+mn-cs"/>
       </a:defRPr>
     </a:lvl4pPr>
-    <a:lvl5pPr marL="4114800" algn="l" defTabSz="2057400" rtl="0" eaLnBrk="1" latinLnBrk="0" hangingPunct="1">
-      <a:defRPr sz="4100" kern="1200">
+    <a:lvl5pPr marL="2468469" algn="l" defTabSz="1234234" rtl="0" eaLnBrk="1" latinLnBrk="0" hangingPunct="1">
+      <a:defRPr sz="2460" kern="1200">
         <a:solidFill>
           <a:schemeClr val="tx1"/>
         </a:solidFill>
@@ -64,8 +65,8 @@
         <a:cs typeface="+mn-cs"/>
       </a:defRPr>
     </a:lvl5pPr>
-    <a:lvl6pPr marL="5143500" algn="l" defTabSz="2057400" rtl="0" eaLnBrk="1" latinLnBrk="0" hangingPunct="1">
-      <a:defRPr sz="4100" kern="1200">
+    <a:lvl6pPr marL="3085586" algn="l" defTabSz="1234234" rtl="0" eaLnBrk="1" latinLnBrk="0" hangingPunct="1">
+      <a:defRPr sz="2460" kern="1200">
         <a:solidFill>
           <a:schemeClr val="tx1"/>
         </a:solidFill>
@@ -74,8 +75,8 @@
         <a:cs typeface="+mn-cs"/>
       </a:defRPr>
     </a:lvl6pPr>
-    <a:lvl7pPr marL="6172200" algn="l" defTabSz="2057400" rtl="0" eaLnBrk="1" latinLnBrk="0" hangingPunct="1">
-      <a:defRPr sz="4100" kern="1200">
+    <a:lvl7pPr marL="3702703" algn="l" defTabSz="1234234" rtl="0" eaLnBrk="1" latinLnBrk="0" hangingPunct="1">
+      <a:defRPr sz="2460" kern="1200">
         <a:solidFill>
           <a:schemeClr val="tx1"/>
         </a:solidFill>
@@ -84,8 +85,8 @@
         <a:cs typeface="+mn-cs"/>
       </a:defRPr>
     </a:lvl7pPr>
-    <a:lvl8pPr marL="7200900" algn="l" defTabSz="2057400" rtl="0" eaLnBrk="1" latinLnBrk="0" hangingPunct="1">
-      <a:defRPr sz="4100" kern="1200">
+    <a:lvl8pPr marL="4319820" algn="l" defTabSz="1234234" rtl="0" eaLnBrk="1" latinLnBrk="0" hangingPunct="1">
+      <a:defRPr sz="2460" kern="1200">
         <a:solidFill>
           <a:schemeClr val="tx1"/>
         </a:solidFill>
@@ -94,8 +95,8 @@
         <a:cs typeface="+mn-cs"/>
       </a:defRPr>
     </a:lvl8pPr>
-    <a:lvl9pPr marL="8229600" algn="l" defTabSz="2057400" rtl="0" eaLnBrk="1" latinLnBrk="0" hangingPunct="1">
-      <a:defRPr sz="4100" kern="1200">
+    <a:lvl9pPr marL="4936937" algn="l" defTabSz="1234234" rtl="0" eaLnBrk="1" latinLnBrk="0" hangingPunct="1">
+      <a:defRPr sz="2460" kern="1200">
         <a:solidFill>
           <a:schemeClr val="tx1"/>
         </a:solidFill>
@@ -105,6 +106,22 @@
       </a:defRPr>
     </a:lvl9pPr>
   </p:defaultTextStyle>
+  <p:extLst>
+    <p:ext uri="{EFAFB233-063F-42B5-8137-9DF3F51BA10A}">
+      <p15:sldGuideLst xmlns:p15="http://schemas.microsoft.com/office/powerpoint/2012/main">
+        <p15:guide id="1" orient="horz" pos="2268" userDrawn="1">
+          <p15:clr>
+            <a:srgbClr val="A4A3A4"/>
+          </p15:clr>
+        </p15:guide>
+        <p15:guide id="2" pos="4536" userDrawn="1">
+          <p15:clr>
+            <a:srgbClr val="A4A3A4"/>
+          </p15:clr>
+        </p15:guide>
+      </p15:sldGuideLst>
+    </p:ext>
+  </p:extLst>
 </p:presentation>
 </file>
 
@@ -137,8 +154,8 @@
         </p:nvSpPr>
         <p:spPr>
           <a:xfrm>
-            <a:off x="1620203" y="4473893"/>
-            <a:ext cx="18362295" cy="3087053"/>
+            <a:off x="1080017" y="2236454"/>
+            <a:ext cx="12240181" cy="1543186"/>
           </a:xfrm>
         </p:spPr>
         <p:txBody>
@@ -146,10 +163,9 @@
           <a:lstStyle/>
           <a:p>
             <a:r>
-              <a:rPr lang="en-US" smtClean="0"/>
+              <a:rPr lang="en-US"/>
               <a:t>Click to edit Master title style</a:t>
             </a:r>
-            <a:endParaRPr lang="en-US"/>
           </a:p>
         </p:txBody>
       </p:sp>
@@ -165,8 +181,8 @@
         </p:nvSpPr>
         <p:spPr>
           <a:xfrm>
-            <a:off x="3240405" y="8161020"/>
-            <a:ext cx="15121890" cy="3680460"/>
+            <a:off x="2160032" y="4079611"/>
+            <a:ext cx="10080149" cy="1839824"/>
           </a:xfrm>
         </p:spPr>
         <p:txBody>
@@ -265,10 +281,9 @@
           </a:lstStyle>
           <a:p>
             <a:r>
-              <a:rPr lang="en-US" smtClean="0"/>
+              <a:rPr lang="en-US"/>
               <a:t>Click to edit Master subtitle style</a:t>
             </a:r>
-            <a:endParaRPr lang="en-US"/>
           </a:p>
         </p:txBody>
       </p:sp>
@@ -290,7 +305,7 @@
             <a:fld id="{1D8BD707-D9CF-40AE-B4C6-C98DA3205C09}" type="datetimeFigureOut">
               <a:rPr lang="en-US" smtClean="0"/>
               <a:pPr/>
-              <a:t>4/21/2016</a:t>
+              <a:t>10/6/20</a:t>
             </a:fld>
             <a:endParaRPr lang="en-US"/>
           </a:p>
@@ -380,10 +395,9 @@
           <a:lstStyle/>
           <a:p>
             <a:r>
-              <a:rPr lang="en-US" smtClean="0"/>
+              <a:rPr lang="en-US"/>
               <a:t>Click to edit Master title style</a:t>
             </a:r>
-            <a:endParaRPr lang="en-US"/>
           </a:p>
         </p:txBody>
       </p:sp>
@@ -404,38 +418,37 @@
           <a:p>
             <a:pPr lvl="0"/>
             <a:r>
-              <a:rPr lang="en-US" smtClean="0"/>
+              <a:rPr lang="en-US"/>
               <a:t>Click to edit Master text styles</a:t>
             </a:r>
           </a:p>
           <a:p>
             <a:pPr lvl="1"/>
             <a:r>
-              <a:rPr lang="en-US" smtClean="0"/>
+              <a:rPr lang="en-US"/>
               <a:t>Second level</a:t>
             </a:r>
           </a:p>
           <a:p>
             <a:pPr lvl="2"/>
             <a:r>
-              <a:rPr lang="en-US" smtClean="0"/>
+              <a:rPr lang="en-US"/>
               <a:t>Third level</a:t>
             </a:r>
           </a:p>
           <a:p>
             <a:pPr lvl="3"/>
             <a:r>
-              <a:rPr lang="en-US" smtClean="0"/>
+              <a:rPr lang="en-US"/>
               <a:t>Fourth level</a:t>
             </a:r>
           </a:p>
           <a:p>
             <a:pPr lvl="4"/>
             <a:r>
-              <a:rPr lang="en-US" smtClean="0"/>
+              <a:rPr lang="en-US"/>
               <a:t>Fifth level</a:t>
             </a:r>
-            <a:endParaRPr lang="en-US"/>
           </a:p>
         </p:txBody>
       </p:sp>
@@ -457,7 +470,7 @@
             <a:fld id="{1D8BD707-D9CF-40AE-B4C6-C98DA3205C09}" type="datetimeFigureOut">
               <a:rPr lang="en-US" smtClean="0"/>
               <a:pPr/>
-              <a:t>4/21/2016</a:t>
+              <a:t>10/6/20</a:t>
             </a:fld>
             <a:endParaRPr lang="en-US"/>
           </a:p>
@@ -543,8 +556,8 @@
         </p:nvSpPr>
         <p:spPr>
           <a:xfrm>
-            <a:off x="15661957" y="576741"/>
-            <a:ext cx="4860608" cy="12288203"/>
+            <a:off x="10440154" y="288307"/>
+            <a:ext cx="3240048" cy="6142747"/>
           </a:xfrm>
         </p:spPr>
         <p:txBody>
@@ -552,10 +565,9 @@
           <a:lstStyle/>
           <a:p>
             <a:r>
-              <a:rPr lang="en-US" smtClean="0"/>
+              <a:rPr lang="en-US"/>
               <a:t>Click to edit Master title style</a:t>
             </a:r>
-            <a:endParaRPr lang="en-US"/>
           </a:p>
         </p:txBody>
       </p:sp>
@@ -571,8 +583,8 @@
         </p:nvSpPr>
         <p:spPr>
           <a:xfrm>
-            <a:off x="1080135" y="576741"/>
-            <a:ext cx="14221778" cy="12288203"/>
+            <a:off x="720010" y="288307"/>
+            <a:ext cx="9480141" cy="6142747"/>
           </a:xfrm>
         </p:spPr>
         <p:txBody>
@@ -581,38 +593,37 @@
           <a:p>
             <a:pPr lvl="0"/>
             <a:r>
-              <a:rPr lang="en-US" smtClean="0"/>
+              <a:rPr lang="en-US"/>
               <a:t>Click to edit Master text styles</a:t>
             </a:r>
           </a:p>
           <a:p>
             <a:pPr lvl="1"/>
             <a:r>
-              <a:rPr lang="en-US" smtClean="0"/>
+              <a:rPr lang="en-US"/>
               <a:t>Second level</a:t>
             </a:r>
           </a:p>
           <a:p>
             <a:pPr lvl="2"/>
             <a:r>
-              <a:rPr lang="en-US" smtClean="0"/>
+              <a:rPr lang="en-US"/>
               <a:t>Third level</a:t>
             </a:r>
           </a:p>
           <a:p>
             <a:pPr lvl="3"/>
             <a:r>
-              <a:rPr lang="en-US" smtClean="0"/>
+              <a:rPr lang="en-US"/>
               <a:t>Fourth level</a:t>
             </a:r>
           </a:p>
           <a:p>
             <a:pPr lvl="4"/>
             <a:r>
-              <a:rPr lang="en-US" smtClean="0"/>
+              <a:rPr lang="en-US"/>
               <a:t>Fifth level</a:t>
             </a:r>
-            <a:endParaRPr lang="en-US"/>
           </a:p>
         </p:txBody>
       </p:sp>
@@ -634,7 +645,7 @@
             <a:fld id="{1D8BD707-D9CF-40AE-B4C6-C98DA3205C09}" type="datetimeFigureOut">
               <a:rPr lang="en-US" smtClean="0"/>
               <a:pPr/>
-              <a:t>4/21/2016</a:t>
+              <a:t>10/6/20</a:t>
             </a:fld>
             <a:endParaRPr lang="en-US"/>
           </a:p>
@@ -724,10 +735,9 @@
           <a:lstStyle/>
           <a:p>
             <a:r>
-              <a:rPr lang="en-US" smtClean="0"/>
+              <a:rPr lang="en-US"/>
               <a:t>Click to edit Master title style</a:t>
             </a:r>
-            <a:endParaRPr lang="en-US"/>
           </a:p>
         </p:txBody>
       </p:sp>
@@ -748,38 +758,37 @@
           <a:p>
             <a:pPr lvl="0"/>
             <a:r>
-              <a:rPr lang="en-US" smtClean="0"/>
+              <a:rPr lang="en-US"/>
               <a:t>Click to edit Master text styles</a:t>
             </a:r>
           </a:p>
           <a:p>
             <a:pPr lvl="1"/>
             <a:r>
-              <a:rPr lang="en-US" smtClean="0"/>
+              <a:rPr lang="en-US"/>
               <a:t>Second level</a:t>
             </a:r>
           </a:p>
           <a:p>
             <a:pPr lvl="2"/>
             <a:r>
-              <a:rPr lang="en-US" smtClean="0"/>
+              <a:rPr lang="en-US"/>
               <a:t>Third level</a:t>
             </a:r>
           </a:p>
           <a:p>
             <a:pPr lvl="3"/>
             <a:r>
-              <a:rPr lang="en-US" smtClean="0"/>
+              <a:rPr lang="en-US"/>
               <a:t>Fourth level</a:t>
             </a:r>
           </a:p>
           <a:p>
             <a:pPr lvl="4"/>
             <a:r>
-              <a:rPr lang="en-US" smtClean="0"/>
+              <a:rPr lang="en-US"/>
               <a:t>Fifth level</a:t>
             </a:r>
-            <a:endParaRPr lang="en-US"/>
           </a:p>
         </p:txBody>
       </p:sp>
@@ -801,7 +810,7 @@
             <a:fld id="{1D8BD707-D9CF-40AE-B4C6-C98DA3205C09}" type="datetimeFigureOut">
               <a:rPr lang="en-US" smtClean="0"/>
               <a:pPr/>
-              <a:t>4/21/2016</a:t>
+              <a:t>10/6/20</a:t>
             </a:fld>
             <a:endParaRPr lang="en-US"/>
           </a:p>
@@ -887,8 +896,8 @@
         </p:nvSpPr>
         <p:spPr>
           <a:xfrm>
-            <a:off x="1706464" y="9254491"/>
-            <a:ext cx="18362295" cy="2860358"/>
+            <a:off x="1137518" y="4626226"/>
+            <a:ext cx="12240181" cy="1429864"/>
           </a:xfrm>
         </p:spPr>
         <p:txBody>
@@ -900,10 +909,9 @@
           </a:lstStyle>
           <a:p>
             <a:r>
-              <a:rPr lang="en-US" smtClean="0"/>
+              <a:rPr lang="en-US"/>
               <a:t>Click to edit Master title style</a:t>
             </a:r>
-            <a:endParaRPr lang="en-US"/>
           </a:p>
         </p:txBody>
       </p:sp>
@@ -919,8 +927,8 @@
         </p:nvSpPr>
         <p:spPr>
           <a:xfrm>
-            <a:off x="1706464" y="6104098"/>
-            <a:ext cx="18362295" cy="3150393"/>
+            <a:off x="1137518" y="3051377"/>
+            <a:ext cx="12240181" cy="1574849"/>
           </a:xfrm>
         </p:spPr>
         <p:txBody>
@@ -1020,7 +1028,7 @@
           <a:p>
             <a:pPr lvl="0"/>
             <a:r>
-              <a:rPr lang="en-US" smtClean="0"/>
+              <a:rPr lang="en-US"/>
               <a:t>Click to edit Master text styles</a:t>
             </a:r>
           </a:p>
@@ -1044,7 +1052,7 @@
             <a:fld id="{1D8BD707-D9CF-40AE-B4C6-C98DA3205C09}" type="datetimeFigureOut">
               <a:rPr lang="en-US" smtClean="0"/>
               <a:pPr/>
-              <a:t>4/21/2016</a:t>
+              <a:t>10/6/20</a:t>
             </a:fld>
             <a:endParaRPr lang="en-US"/>
           </a:p>
@@ -1134,10 +1142,9 @@
           <a:lstStyle/>
           <a:p>
             <a:r>
-              <a:rPr lang="en-US" smtClean="0"/>
+              <a:rPr lang="en-US"/>
               <a:t>Click to edit Master title style</a:t>
             </a:r>
-            <a:endParaRPr lang="en-US"/>
           </a:p>
         </p:txBody>
       </p:sp>
@@ -1153,8 +1160,8 @@
         </p:nvSpPr>
         <p:spPr>
           <a:xfrm>
-            <a:off x="1080135" y="3360421"/>
-            <a:ext cx="9541193" cy="9504522"/>
+            <a:off x="720011" y="1679840"/>
+            <a:ext cx="6360094" cy="4751214"/>
           </a:xfrm>
         </p:spPr>
         <p:txBody>
@@ -1191,38 +1198,37 @@
           <a:p>
             <a:pPr lvl="0"/>
             <a:r>
-              <a:rPr lang="en-US" smtClean="0"/>
+              <a:rPr lang="en-US"/>
               <a:t>Click to edit Master text styles</a:t>
             </a:r>
           </a:p>
           <a:p>
             <a:pPr lvl="1"/>
             <a:r>
-              <a:rPr lang="en-US" smtClean="0"/>
+              <a:rPr lang="en-US"/>
               <a:t>Second level</a:t>
             </a:r>
           </a:p>
           <a:p>
             <a:pPr lvl="2"/>
             <a:r>
-              <a:rPr lang="en-US" smtClean="0"/>
+              <a:rPr lang="en-US"/>
               <a:t>Third level</a:t>
             </a:r>
           </a:p>
           <a:p>
             <a:pPr lvl="3"/>
             <a:r>
-              <a:rPr lang="en-US" smtClean="0"/>
+              <a:rPr lang="en-US"/>
               <a:t>Fourth level</a:t>
             </a:r>
           </a:p>
           <a:p>
             <a:pPr lvl="4"/>
             <a:r>
-              <a:rPr lang="en-US" smtClean="0"/>
+              <a:rPr lang="en-US"/>
               <a:t>Fifth level</a:t>
             </a:r>
-            <a:endParaRPr lang="en-US"/>
           </a:p>
         </p:txBody>
       </p:sp>
@@ -1238,8 +1244,8 @@
         </p:nvSpPr>
         <p:spPr>
           <a:xfrm>
-            <a:off x="10981372" y="3360421"/>
-            <a:ext cx="9541193" cy="9504522"/>
+            <a:off x="7320108" y="1679840"/>
+            <a:ext cx="6360094" cy="4751214"/>
           </a:xfrm>
         </p:spPr>
         <p:txBody>
@@ -1276,38 +1282,37 @@
           <a:p>
             <a:pPr lvl="0"/>
             <a:r>
-              <a:rPr lang="en-US" smtClean="0"/>
+              <a:rPr lang="en-US"/>
               <a:t>Click to edit Master text styles</a:t>
             </a:r>
           </a:p>
           <a:p>
             <a:pPr lvl="1"/>
             <a:r>
-              <a:rPr lang="en-US" smtClean="0"/>
+              <a:rPr lang="en-US"/>
               <a:t>Second level</a:t>
             </a:r>
           </a:p>
           <a:p>
             <a:pPr lvl="2"/>
             <a:r>
-              <a:rPr lang="en-US" smtClean="0"/>
+              <a:rPr lang="en-US"/>
               <a:t>Third level</a:t>
             </a:r>
           </a:p>
           <a:p>
             <a:pPr lvl="3"/>
             <a:r>
-              <a:rPr lang="en-US" smtClean="0"/>
+              <a:rPr lang="en-US"/>
               <a:t>Fourth level</a:t>
             </a:r>
           </a:p>
           <a:p>
             <a:pPr lvl="4"/>
             <a:r>
-              <a:rPr lang="en-US" smtClean="0"/>
+              <a:rPr lang="en-US"/>
               <a:t>Fifth level</a:t>
             </a:r>
-            <a:endParaRPr lang="en-US"/>
           </a:p>
         </p:txBody>
       </p:sp>
@@ -1329,7 +1334,7 @@
             <a:fld id="{1D8BD707-D9CF-40AE-B4C6-C98DA3205C09}" type="datetimeFigureOut">
               <a:rPr lang="en-US" smtClean="0"/>
               <a:pPr/>
-              <a:t>4/21/2016</a:t>
+              <a:t>10/6/20</a:t>
             </a:fld>
             <a:endParaRPr lang="en-US"/>
           </a:p>
@@ -1423,10 +1428,9 @@
           </a:lstStyle>
           <a:p>
             <a:r>
-              <a:rPr lang="en-US" smtClean="0"/>
+              <a:rPr lang="en-US"/>
               <a:t>Click to edit Master title style</a:t>
             </a:r>
-            <a:endParaRPr lang="en-US"/>
           </a:p>
         </p:txBody>
       </p:sp>
@@ -1442,8 +1446,8 @@
         </p:nvSpPr>
         <p:spPr>
           <a:xfrm>
-            <a:off x="1080135" y="3223737"/>
-            <a:ext cx="9544944" cy="1343500"/>
+            <a:off x="720011" y="1611513"/>
+            <a:ext cx="6362595" cy="671602"/>
           </a:xfrm>
         </p:spPr>
         <p:txBody>
@@ -1489,7 +1493,7 @@
           <a:p>
             <a:pPr lvl="0"/>
             <a:r>
-              <a:rPr lang="en-US" smtClean="0"/>
+              <a:rPr lang="en-US"/>
               <a:t>Click to edit Master text styles</a:t>
             </a:r>
           </a:p>
@@ -1507,8 +1511,8 @@
         </p:nvSpPr>
         <p:spPr>
           <a:xfrm>
-            <a:off x="1080135" y="4567237"/>
-            <a:ext cx="9544944" cy="8297705"/>
+            <a:off x="720011" y="2283116"/>
+            <a:ext cx="6362595" cy="4147938"/>
           </a:xfrm>
         </p:spPr>
         <p:txBody>
@@ -1545,38 +1549,37 @@
           <a:p>
             <a:pPr lvl="0"/>
             <a:r>
-              <a:rPr lang="en-US" smtClean="0"/>
+              <a:rPr lang="en-US"/>
               <a:t>Click to edit Master text styles</a:t>
             </a:r>
           </a:p>
           <a:p>
             <a:pPr lvl="1"/>
             <a:r>
-              <a:rPr lang="en-US" smtClean="0"/>
+              <a:rPr lang="en-US"/>
               <a:t>Second level</a:t>
             </a:r>
           </a:p>
           <a:p>
             <a:pPr lvl="2"/>
             <a:r>
-              <a:rPr lang="en-US" smtClean="0"/>
+              <a:rPr lang="en-US"/>
               <a:t>Third level</a:t>
             </a:r>
           </a:p>
           <a:p>
             <a:pPr lvl="3"/>
             <a:r>
-              <a:rPr lang="en-US" smtClean="0"/>
+              <a:rPr lang="en-US"/>
               <a:t>Fourth level</a:t>
             </a:r>
           </a:p>
           <a:p>
             <a:pPr lvl="4"/>
             <a:r>
-              <a:rPr lang="en-US" smtClean="0"/>
+              <a:rPr lang="en-US"/>
               <a:t>Fifth level</a:t>
             </a:r>
-            <a:endParaRPr lang="en-US"/>
           </a:p>
         </p:txBody>
       </p:sp>
@@ -1592,8 +1595,8 @@
         </p:nvSpPr>
         <p:spPr>
           <a:xfrm>
-            <a:off x="10973873" y="3223737"/>
-            <a:ext cx="9548693" cy="1343500"/>
+            <a:off x="7315109" y="1611513"/>
+            <a:ext cx="6365094" cy="671602"/>
           </a:xfrm>
         </p:spPr>
         <p:txBody>
@@ -1639,7 +1642,7 @@
           <a:p>
             <a:pPr lvl="0"/>
             <a:r>
-              <a:rPr lang="en-US" smtClean="0"/>
+              <a:rPr lang="en-US"/>
               <a:t>Click to edit Master text styles</a:t>
             </a:r>
           </a:p>
@@ -1657,8 +1660,8 @@
         </p:nvSpPr>
         <p:spPr>
           <a:xfrm>
-            <a:off x="10973873" y="4567237"/>
-            <a:ext cx="9548693" cy="8297705"/>
+            <a:off x="7315109" y="2283116"/>
+            <a:ext cx="6365094" cy="4147938"/>
           </a:xfrm>
         </p:spPr>
         <p:txBody>
@@ -1695,38 +1698,37 @@
           <a:p>
             <a:pPr lvl="0"/>
             <a:r>
-              <a:rPr lang="en-US" smtClean="0"/>
+              <a:rPr lang="en-US"/>
               <a:t>Click to edit Master text styles</a:t>
             </a:r>
           </a:p>
           <a:p>
             <a:pPr lvl="1"/>
             <a:r>
-              <a:rPr lang="en-US" smtClean="0"/>
+              <a:rPr lang="en-US"/>
               <a:t>Second level</a:t>
             </a:r>
           </a:p>
           <a:p>
             <a:pPr lvl="2"/>
             <a:r>
-              <a:rPr lang="en-US" smtClean="0"/>
+              <a:rPr lang="en-US"/>
               <a:t>Third level</a:t>
             </a:r>
           </a:p>
           <a:p>
             <a:pPr lvl="3"/>
             <a:r>
-              <a:rPr lang="en-US" smtClean="0"/>
+              <a:rPr lang="en-US"/>
               <a:t>Fourth level</a:t>
             </a:r>
           </a:p>
           <a:p>
             <a:pPr lvl="4"/>
             <a:r>
-              <a:rPr lang="en-US" smtClean="0"/>
+              <a:rPr lang="en-US"/>
               <a:t>Fifth level</a:t>
             </a:r>
-            <a:endParaRPr lang="en-US"/>
           </a:p>
         </p:txBody>
       </p:sp>
@@ -1748,7 +1750,7 @@
             <a:fld id="{1D8BD707-D9CF-40AE-B4C6-C98DA3205C09}" type="datetimeFigureOut">
               <a:rPr lang="en-US" smtClean="0"/>
               <a:pPr/>
-              <a:t>4/21/2016</a:t>
+              <a:t>10/6/20</a:t>
             </a:fld>
             <a:endParaRPr lang="en-US"/>
           </a:p>
@@ -1838,10 +1840,9 @@
           <a:lstStyle/>
           <a:p>
             <a:r>
-              <a:rPr lang="en-US" smtClean="0"/>
+              <a:rPr lang="en-US"/>
               <a:t>Click to edit Master title style</a:t>
             </a:r>
-            <a:endParaRPr lang="en-US"/>
           </a:p>
         </p:txBody>
       </p:sp>
@@ -1863,7 +1864,7 @@
             <a:fld id="{1D8BD707-D9CF-40AE-B4C6-C98DA3205C09}" type="datetimeFigureOut">
               <a:rPr lang="en-US" smtClean="0"/>
               <a:pPr/>
-              <a:t>4/21/2016</a:t>
+              <a:t>10/6/20</a:t>
             </a:fld>
             <a:endParaRPr lang="en-US"/>
           </a:p>
@@ -1955,7 +1956,7 @@
             <a:fld id="{1D8BD707-D9CF-40AE-B4C6-C98DA3205C09}" type="datetimeFigureOut">
               <a:rPr lang="en-US" smtClean="0"/>
               <a:pPr/>
-              <a:t>4/21/2016</a:t>
+              <a:t>10/6/20</a:t>
             </a:fld>
             <a:endParaRPr lang="en-US"/>
           </a:p>
@@ -2041,8 +2042,8 @@
         </p:nvSpPr>
         <p:spPr>
           <a:xfrm>
-            <a:off x="1080136" y="573405"/>
-            <a:ext cx="7107139" cy="2440305"/>
+            <a:off x="720011" y="286639"/>
+            <a:ext cx="4737571" cy="1219884"/>
           </a:xfrm>
         </p:spPr>
         <p:txBody>
@@ -2054,10 +2055,9 @@
           </a:lstStyle>
           <a:p>
             <a:r>
-              <a:rPr lang="en-US" smtClean="0"/>
+              <a:rPr lang="en-US"/>
               <a:t>Click to edit Master title style</a:t>
             </a:r>
-            <a:endParaRPr lang="en-US"/>
           </a:p>
         </p:txBody>
       </p:sp>
@@ -2073,8 +2073,8 @@
         </p:nvSpPr>
         <p:spPr>
           <a:xfrm>
-            <a:off x="8446056" y="573406"/>
-            <a:ext cx="12076509" cy="12291537"/>
+            <a:off x="5630084" y="286640"/>
+            <a:ext cx="8050119" cy="6144414"/>
           </a:xfrm>
         </p:spPr>
         <p:txBody>
@@ -2111,38 +2111,37 @@
           <a:p>
             <a:pPr lvl="0"/>
             <a:r>
-              <a:rPr lang="en-US" smtClean="0"/>
+              <a:rPr lang="en-US"/>
               <a:t>Click to edit Master text styles</a:t>
             </a:r>
           </a:p>
           <a:p>
             <a:pPr lvl="1"/>
             <a:r>
-              <a:rPr lang="en-US" smtClean="0"/>
+              <a:rPr lang="en-US"/>
               <a:t>Second level</a:t>
             </a:r>
           </a:p>
           <a:p>
             <a:pPr lvl="2"/>
             <a:r>
-              <a:rPr lang="en-US" smtClean="0"/>
+              <a:rPr lang="en-US"/>
               <a:t>Third level</a:t>
             </a:r>
           </a:p>
           <a:p>
             <a:pPr lvl="3"/>
             <a:r>
-              <a:rPr lang="en-US" smtClean="0"/>
+              <a:rPr lang="en-US"/>
               <a:t>Fourth level</a:t>
             </a:r>
           </a:p>
           <a:p>
             <a:pPr lvl="4"/>
             <a:r>
-              <a:rPr lang="en-US" smtClean="0"/>
+              <a:rPr lang="en-US"/>
               <a:t>Fifth level</a:t>
             </a:r>
-            <a:endParaRPr lang="en-US"/>
           </a:p>
         </p:txBody>
       </p:sp>
@@ -2158,8 +2157,8 @@
         </p:nvSpPr>
         <p:spPr>
           <a:xfrm>
-            <a:off x="1080136" y="3013711"/>
-            <a:ext cx="7107139" cy="9851232"/>
+            <a:off x="720011" y="1506524"/>
+            <a:ext cx="4737571" cy="4924530"/>
           </a:xfrm>
         </p:spPr>
         <p:txBody>
@@ -2205,7 +2204,7 @@
           <a:p>
             <a:pPr lvl="0"/>
             <a:r>
-              <a:rPr lang="en-US" smtClean="0"/>
+              <a:rPr lang="en-US"/>
               <a:t>Click to edit Master text styles</a:t>
             </a:r>
           </a:p>
@@ -2229,7 +2228,7 @@
             <a:fld id="{1D8BD707-D9CF-40AE-B4C6-C98DA3205C09}" type="datetimeFigureOut">
               <a:rPr lang="en-US" smtClean="0"/>
               <a:pPr/>
-              <a:t>4/21/2016</a:t>
+              <a:t>10/6/20</a:t>
             </a:fld>
             <a:endParaRPr lang="en-US"/>
           </a:p>
@@ -2315,8 +2314,8 @@
         </p:nvSpPr>
         <p:spPr>
           <a:xfrm>
-            <a:off x="4234280" y="10081260"/>
-            <a:ext cx="12961620" cy="1190150"/>
+            <a:off x="2822542" y="5039519"/>
+            <a:ext cx="8640128" cy="594944"/>
           </a:xfrm>
         </p:spPr>
         <p:txBody>
@@ -2328,10 +2327,9 @@
           </a:lstStyle>
           <a:p>
             <a:r>
-              <a:rPr lang="en-US" smtClean="0"/>
+              <a:rPr lang="en-US"/>
               <a:t>Click to edit Master title style</a:t>
             </a:r>
-            <a:endParaRPr lang="en-US"/>
           </a:p>
         </p:txBody>
       </p:sp>
@@ -2347,8 +2345,8 @@
         </p:nvSpPr>
         <p:spPr>
           <a:xfrm>
-            <a:off x="4234280" y="1286828"/>
-            <a:ext cx="12961620" cy="8641080"/>
+            <a:off x="2822542" y="643272"/>
+            <a:ext cx="8640128" cy="4319588"/>
           </a:xfrm>
         </p:spPr>
         <p:txBody>
@@ -2408,8 +2406,8 @@
         </p:nvSpPr>
         <p:spPr>
           <a:xfrm>
-            <a:off x="4234280" y="11271410"/>
-            <a:ext cx="12961620" cy="1690210"/>
+            <a:off x="2822542" y="5634463"/>
+            <a:ext cx="8640128" cy="844919"/>
           </a:xfrm>
         </p:spPr>
         <p:txBody>
@@ -2455,7 +2453,7 @@
           <a:p>
             <a:pPr lvl="0"/>
             <a:r>
-              <a:rPr lang="en-US" smtClean="0"/>
+              <a:rPr lang="en-US"/>
               <a:t>Click to edit Master text styles</a:t>
             </a:r>
           </a:p>
@@ -2479,7 +2477,7 @@
             <a:fld id="{1D8BD707-D9CF-40AE-B4C6-C98DA3205C09}" type="datetimeFigureOut">
               <a:rPr lang="en-US" smtClean="0"/>
               <a:pPr/>
-              <a:t>4/21/2016</a:t>
+              <a:t>10/6/20</a:t>
             </a:fld>
             <a:endParaRPr lang="en-US"/>
           </a:p>
@@ -2570,8 +2568,8 @@
         </p:nvSpPr>
         <p:spPr>
           <a:xfrm>
-            <a:off x="1080135" y="576740"/>
-            <a:ext cx="19442430" cy="2400300"/>
+            <a:off x="720011" y="288306"/>
+            <a:ext cx="12960192" cy="1199886"/>
           </a:xfrm>
           <a:prstGeom prst="rect">
             <a:avLst/>
@@ -2584,10 +2582,9 @@
           <a:lstStyle/>
           <a:p>
             <a:r>
-              <a:rPr lang="en-US" smtClean="0"/>
+              <a:rPr lang="en-US"/>
               <a:t>Click to edit Master title style</a:t>
             </a:r>
-            <a:endParaRPr lang="en-US"/>
           </a:p>
         </p:txBody>
       </p:sp>
@@ -2603,8 +2600,8 @@
         </p:nvSpPr>
         <p:spPr>
           <a:xfrm>
-            <a:off x="1080135" y="3360421"/>
-            <a:ext cx="19442430" cy="9504522"/>
+            <a:off x="720011" y="1679840"/>
+            <a:ext cx="12960192" cy="4751214"/>
           </a:xfrm>
           <a:prstGeom prst="rect">
             <a:avLst/>
@@ -2618,38 +2615,37 @@
           <a:p>
             <a:pPr lvl="0"/>
             <a:r>
-              <a:rPr lang="en-US" smtClean="0"/>
+              <a:rPr lang="en-US"/>
               <a:t>Click to edit Master text styles</a:t>
             </a:r>
           </a:p>
           <a:p>
             <a:pPr lvl="1"/>
             <a:r>
-              <a:rPr lang="en-US" smtClean="0"/>
+              <a:rPr lang="en-US"/>
               <a:t>Second level</a:t>
             </a:r>
           </a:p>
           <a:p>
             <a:pPr lvl="2"/>
             <a:r>
-              <a:rPr lang="en-US" smtClean="0"/>
+              <a:rPr lang="en-US"/>
               <a:t>Third level</a:t>
             </a:r>
           </a:p>
           <a:p>
             <a:pPr lvl="3"/>
             <a:r>
-              <a:rPr lang="en-US" smtClean="0"/>
+              <a:rPr lang="en-US"/>
               <a:t>Fourth level</a:t>
             </a:r>
           </a:p>
           <a:p>
             <a:pPr lvl="4"/>
             <a:r>
-              <a:rPr lang="en-US" smtClean="0"/>
+              <a:rPr lang="en-US"/>
               <a:t>Fifth level</a:t>
             </a:r>
-            <a:endParaRPr lang="en-US"/>
           </a:p>
         </p:txBody>
       </p:sp>
@@ -2665,8 +2661,8 @@
         </p:nvSpPr>
         <p:spPr>
           <a:xfrm>
-            <a:off x="1080135" y="13348336"/>
-            <a:ext cx="5040630" cy="766763"/>
+            <a:off x="720011" y="6672697"/>
+            <a:ext cx="3360050" cy="383297"/>
           </a:xfrm>
           <a:prstGeom prst="rect">
             <a:avLst/>
@@ -2689,7 +2685,7 @@
             <a:fld id="{1D8BD707-D9CF-40AE-B4C6-C98DA3205C09}" type="datetimeFigureOut">
               <a:rPr lang="en-US" smtClean="0"/>
               <a:pPr/>
-              <a:t>4/21/2016</a:t>
+              <a:t>10/6/20</a:t>
             </a:fld>
             <a:endParaRPr lang="en-US"/>
           </a:p>
@@ -2707,8 +2703,8 @@
         </p:nvSpPr>
         <p:spPr>
           <a:xfrm>
-            <a:off x="7380923" y="13348336"/>
-            <a:ext cx="6840855" cy="766763"/>
+            <a:off x="4920074" y="6672697"/>
+            <a:ext cx="4560067" cy="383297"/>
           </a:xfrm>
           <a:prstGeom prst="rect">
             <a:avLst/>
@@ -2744,8 +2740,8 @@
         </p:nvSpPr>
         <p:spPr>
           <a:xfrm>
-            <a:off x="15481935" y="13348336"/>
-            <a:ext cx="5040630" cy="766763"/>
+            <a:off x="10320153" y="6672697"/>
+            <a:ext cx="3360050" cy="383297"/>
           </a:xfrm>
           <a:prstGeom prst="rect">
             <a:avLst/>
@@ -3060,146 +3056,189 @@
           <a:chExt cx="0" cy="0"/>
         </a:xfrm>
       </p:grpSpPr>
-      <p:pic>
-        <p:nvPicPr>
-          <p:cNvPr id="1026" name="Picture 2" descr="C:\Users\Administrator\Desktop\Song-2010-DepthMap1.bmp"/>
-          <p:cNvPicPr>
-            <a:picLocks noChangeAspect="1" noChangeArrowheads="1"/>
-          </p:cNvPicPr>
-          <p:nvPr/>
-        </p:nvPicPr>
-        <p:blipFill>
-          <a:blip r:embed="rId2">
+      <p:grpSp>
+        <p:nvGrpSpPr>
+          <p:cNvPr id="12" name="Group 11">
             <a:extLst>
-              <a:ext uri="{28A0092B-C50C-407E-A947-70E740481C1C}">
-                <a14:useLocalDpi xmlns:a14="http://schemas.microsoft.com/office/drawing/2010/main" val="0"/>
+              <a:ext uri="{FF2B5EF4-FFF2-40B4-BE49-F238E27FC236}">
+                <a16:creationId xmlns:a16="http://schemas.microsoft.com/office/drawing/2014/main" id="{BA30CFD5-3E3C-A341-AE23-B3F747D6D0F0}"/>
               </a:ext>
             </a:extLst>
-          </a:blip>
-          <a:srcRect/>
-          <a:stretch>
-            <a:fillRect/>
-          </a:stretch>
-        </p:blipFill>
-        <p:spPr bwMode="auto">
+          </p:cNvPr>
+          <p:cNvGrpSpPr/>
+          <p:nvPr/>
+        </p:nvGrpSpPr>
+        <p:grpSpPr>
           <a:xfrm>
-            <a:off x="11820289" y="2177796"/>
-            <a:ext cx="3476861" cy="8640000"/>
+            <a:off x="1897143" y="-344"/>
+            <a:ext cx="10605926" cy="7200000"/>
+            <a:chOff x="1928180" y="-344"/>
+            <a:chExt cx="10605926" cy="7200000"/>
           </a:xfrm>
-          <a:prstGeom prst="rect">
-            <a:avLst/>
-          </a:prstGeom>
-          <a:noFill/>
-          <a:ln w="25400">
+        </p:grpSpPr>
+        <p:pic>
+          <p:nvPicPr>
+            <p:cNvPr id="4" name="Picture 20">
+              <a:extLst>
+                <a:ext uri="{FF2B5EF4-FFF2-40B4-BE49-F238E27FC236}">
+                  <a16:creationId xmlns:a16="http://schemas.microsoft.com/office/drawing/2014/main" id="{D53DC75A-8284-654B-8697-7D20F398F556}"/>
+                </a:ext>
+              </a:extLst>
+            </p:cNvPr>
+            <p:cNvPicPr>
+              <a:picLocks noChangeAspect="1" noChangeArrowheads="1"/>
+            </p:cNvPicPr>
+            <p:nvPr/>
+          </p:nvPicPr>
+          <p:blipFill rotWithShape="1">
+            <a:blip r:embed="rId2">
+              <a:extLst>
+                <a:ext uri="{28A0092B-C50C-407E-A947-70E740481C1C}">
+                  <a14:useLocalDpi xmlns:a14="http://schemas.microsoft.com/office/drawing/2010/main" val="0"/>
+                </a:ext>
+              </a:extLst>
+            </a:blip>
+            <a:srcRect t="2921" b="1939"/>
+            <a:stretch/>
+          </p:blipFill>
+          <p:spPr bwMode="auto">
+            <a:xfrm>
+              <a:off x="1928180" y="-344"/>
+              <a:ext cx="3556631" cy="7200000"/>
+            </a:xfrm>
+            <a:prstGeom prst="rect">
+              <a:avLst/>
+            </a:prstGeom>
             <a:noFill/>
-          </a:ln>
-          <a:extLst>
-            <a:ext uri="{909E8E84-426E-40DD-AFC4-6F175D3DCCD1}">
-              <a14:hiddenFill xmlns:a14="http://schemas.microsoft.com/office/drawing/2010/main">
-                <a:solidFill>
-                  <a:srgbClr val="FFFFFF"/>
-                </a:solidFill>
-              </a14:hiddenFill>
-            </a:ext>
-          </a:extLst>
-        </p:spPr>
-      </p:pic>
-      <p:pic>
-        <p:nvPicPr>
-          <p:cNvPr id="1028" name="Picture 4" descr="C:\Users\Administrator\Desktop\Song-2010-DepthMap.bmp"/>
-          <p:cNvPicPr>
-            <a:picLocks noChangeAspect="1" noChangeArrowheads="1"/>
-          </p:cNvPicPr>
-          <p:nvPr/>
-        </p:nvPicPr>
-        <p:blipFill>
-          <a:blip r:embed="rId3">
             <a:extLst>
-              <a:ext uri="{BEBA8EAE-BF5A-486C-A8C5-ECC9F3942E4B}">
-                <a14:imgProps xmlns:a14="http://schemas.microsoft.com/office/drawing/2010/main">
-                  <a14:imgLayer r:embed="rId4">
-                    <a14:imgEffect>
-                      <a14:brightnessContrast bright="6000"/>
-                    </a14:imgEffect>
-                  </a14:imgLayer>
-                </a14:imgProps>
-              </a:ext>
-              <a:ext uri="{28A0092B-C50C-407E-A947-70E740481C1C}">
-                <a14:useLocalDpi xmlns:a14="http://schemas.microsoft.com/office/drawing/2010/main" val="0"/>
+              <a:ext uri="{909E8E84-426E-40DD-AFC4-6F175D3DCCD1}">
+                <a14:hiddenFill xmlns:a14="http://schemas.microsoft.com/office/drawing/2010/main">
+                  <a:solidFill>
+                    <a:srgbClr val="FFFFFF"/>
+                  </a:solidFill>
+                </a14:hiddenFill>
               </a:ext>
             </a:extLst>
-          </a:blip>
-          <a:srcRect/>
-          <a:stretch>
-            <a:fillRect/>
-          </a:stretch>
-        </p:blipFill>
-        <p:spPr bwMode="auto">
-          <a:xfrm>
-            <a:off x="7934089" y="2177796"/>
-            <a:ext cx="3476861" cy="8640000"/>
-          </a:xfrm>
-          <a:prstGeom prst="rect">
-            <a:avLst/>
-          </a:prstGeom>
-          <a:noFill/>
-          <a:ln w="25400">
-            <a:noFill/>
-          </a:ln>
-          <a:extLst>
-            <a:ext uri="{909E8E84-426E-40DD-AFC4-6F175D3DCCD1}">
-              <a14:hiddenFill xmlns:a14="http://schemas.microsoft.com/office/drawing/2010/main">
-                <a:solidFill>
-                  <a:srgbClr val="FFFFFF"/>
-                </a:solidFill>
-              </a14:hiddenFill>
-            </a:ext>
-          </a:extLst>
-        </p:spPr>
-      </p:pic>
-      <p:pic>
-        <p:nvPicPr>
-          <p:cNvPr id="1029" name="Picture 5" descr="C:\Users\Administrator\Desktop\Song-2010-DepthMap4.bmp"/>
-          <p:cNvPicPr>
-            <a:picLocks noChangeAspect="1" noChangeArrowheads="1"/>
-          </p:cNvPicPr>
-          <p:nvPr/>
-        </p:nvPicPr>
-        <p:blipFill rotWithShape="1">
-          <a:blip r:embed="rId5">
-            <a:extLst>
-              <a:ext uri="{28A0092B-C50C-407E-A947-70E740481C1C}">
-                <a14:useLocalDpi xmlns:a14="http://schemas.microsoft.com/office/drawing/2010/main" val="0"/>
-              </a:ext>
-            </a:extLst>
-          </a:blip>
-          <a:srcRect l="2109" t="3354" r="6862"/>
-          <a:stretch/>
-        </p:blipFill>
-        <p:spPr bwMode="auto">
-          <a:xfrm>
-            <a:off x="2693670" y="2177796"/>
-            <a:ext cx="4434841" cy="8640000"/>
-          </a:xfrm>
-          <a:prstGeom prst="rect">
-            <a:avLst/>
-          </a:prstGeom>
-          <a:noFill/>
-          <a:extLst>
-            <a:ext uri="{909E8E84-426E-40DD-AFC4-6F175D3DCCD1}">
-              <a14:hiddenFill xmlns:a14="http://schemas.microsoft.com/office/drawing/2010/main">
-                <a:solidFill>
-                  <a:srgbClr val="FFFFFF"/>
-                </a:solidFill>
-              </a14:hiddenFill>
-            </a:ext>
-          </a:extLst>
-        </p:spPr>
-      </p:pic>
+          </p:spPr>
+        </p:pic>
+        <p:grpSp>
+          <p:nvGrpSpPr>
+            <p:cNvPr id="10" name="Group 9">
+              <a:extLst>
+                <a:ext uri="{FF2B5EF4-FFF2-40B4-BE49-F238E27FC236}">
+                  <a16:creationId xmlns:a16="http://schemas.microsoft.com/office/drawing/2014/main" id="{C65962A6-8EA4-164E-B56A-484D373461D6}"/>
+                </a:ext>
+              </a:extLst>
+            </p:cNvPr>
+            <p:cNvGrpSpPr>
+              <a:grpSpLocks noChangeAspect="1"/>
+            </p:cNvGrpSpPr>
+            <p:nvPr/>
+          </p:nvGrpSpPr>
+          <p:grpSpPr>
+            <a:xfrm>
+              <a:off x="6320869" y="8967"/>
+              <a:ext cx="6213237" cy="7172089"/>
+              <a:chOff x="6399315" y="47693"/>
+              <a:chExt cx="6075243" cy="7012800"/>
+            </a:xfrm>
+          </p:grpSpPr>
+          <p:pic>
+            <p:nvPicPr>
+              <p:cNvPr id="5" name="Picture 24">
+                <a:extLst>
+                  <a:ext uri="{FF2B5EF4-FFF2-40B4-BE49-F238E27FC236}">
+                    <a16:creationId xmlns:a16="http://schemas.microsoft.com/office/drawing/2014/main" id="{3B2A4E0B-6FA1-4945-8063-292CE8DF8EC9}"/>
+                  </a:ext>
+                </a:extLst>
+              </p:cNvPr>
+              <p:cNvPicPr>
+                <a:picLocks noChangeAspect="1" noChangeArrowheads="1"/>
+              </p:cNvPicPr>
+              <p:nvPr/>
+            </p:nvPicPr>
+            <p:blipFill rotWithShape="1">
+              <a:blip r:embed="rId3">
+                <a:extLst>
+                  <a:ext uri="{28A0092B-C50C-407E-A947-70E740481C1C}">
+                    <a14:useLocalDpi xmlns:a14="http://schemas.microsoft.com/office/drawing/2010/main" val="0"/>
+                  </a:ext>
+                </a:extLst>
+              </a:blip>
+              <a:srcRect t="1" b="930"/>
+              <a:stretch/>
+            </p:blipFill>
+            <p:spPr bwMode="auto">
+              <a:xfrm>
+                <a:off x="9676250" y="47693"/>
+                <a:ext cx="2798308" cy="7012800"/>
+              </a:xfrm>
+              <a:prstGeom prst="rect">
+                <a:avLst/>
+              </a:prstGeom>
+              <a:noFill/>
+              <a:extLst>
+                <a:ext uri="{909E8E84-426E-40DD-AFC4-6F175D3DCCD1}">
+                  <a14:hiddenFill xmlns:a14="http://schemas.microsoft.com/office/drawing/2010/main">
+                    <a:solidFill>
+                      <a:srgbClr val="FFFFFF"/>
+                    </a:solidFill>
+                  </a14:hiddenFill>
+                </a:ext>
+              </a:extLst>
+            </p:spPr>
+          </p:pic>
+          <p:pic>
+            <p:nvPicPr>
+              <p:cNvPr id="6" name="Picture 25">
+                <a:extLst>
+                  <a:ext uri="{FF2B5EF4-FFF2-40B4-BE49-F238E27FC236}">
+                    <a16:creationId xmlns:a16="http://schemas.microsoft.com/office/drawing/2014/main" id="{D91A0004-BBA8-7841-9071-BB7B560CBA4C}"/>
+                  </a:ext>
+                </a:extLst>
+              </p:cNvPr>
+              <p:cNvPicPr>
+                <a:picLocks noChangeAspect="1" noChangeArrowheads="1"/>
+              </p:cNvPicPr>
+              <p:nvPr/>
+            </p:nvPicPr>
+            <p:blipFill rotWithShape="1">
+              <a:blip r:embed="rId4">
+                <a:extLst>
+                  <a:ext uri="{28A0092B-C50C-407E-A947-70E740481C1C}">
+                    <a14:useLocalDpi xmlns:a14="http://schemas.microsoft.com/office/drawing/2010/main" val="0"/>
+                  </a:ext>
+                </a:extLst>
+              </a:blip>
+              <a:srcRect t="1033" b="1466"/>
+              <a:stretch/>
+            </p:blipFill>
+            <p:spPr bwMode="auto">
+              <a:xfrm>
+                <a:off x="6399315" y="93666"/>
+                <a:ext cx="2796907" cy="6916128"/>
+              </a:xfrm>
+              <a:prstGeom prst="rect">
+                <a:avLst/>
+              </a:prstGeom>
+              <a:noFill/>
+              <a:extLst>
+                <a:ext uri="{909E8E84-426E-40DD-AFC4-6F175D3DCCD1}">
+                  <a14:hiddenFill xmlns:a14="http://schemas.microsoft.com/office/drawing/2010/main">
+                    <a:solidFill>
+                      <a:srgbClr val="FFFFFF"/>
+                    </a:solidFill>
+                  </a14:hiddenFill>
+                </a:ext>
+              </a:extLst>
+            </p:spPr>
+          </p:pic>
+        </p:grpSp>
+      </p:grpSp>
     </p:spTree>
     <p:extLst>
       <p:ext uri="{BB962C8B-B14F-4D97-AF65-F5344CB8AC3E}">
-        <p14:creationId xmlns:p14="http://schemas.microsoft.com/office/powerpoint/2010/main" val="683498236"/>
+        <p14:creationId xmlns:p14="http://schemas.microsoft.com/office/powerpoint/2010/main" val="3887522734"/>
       </p:ext>
     </p:extLst>
   </p:cSld>
@@ -3228,7 +3267,13 @@
       </p:grpSpPr>
       <p:pic>
         <p:nvPicPr>
-          <p:cNvPr id="4" name="Picture 3" descr="C:\Users\Administrator\Desktop\Song-2010-DepthMap2.bmp"/>
+          <p:cNvPr id="4" name="Picture 20">
+            <a:extLst>
+              <a:ext uri="{FF2B5EF4-FFF2-40B4-BE49-F238E27FC236}">
+                <a16:creationId xmlns:a16="http://schemas.microsoft.com/office/drawing/2014/main" id="{25982826-6C7E-E24F-A3E1-7B52F402C748}"/>
+              </a:ext>
+            </a:extLst>
+          </p:cNvPr>
           <p:cNvPicPr>
             <a:picLocks noChangeAspect="1" noChangeArrowheads="1"/>
           </p:cNvPicPr>
@@ -3249,8 +3294,149 @@
         </p:blipFill>
         <p:spPr bwMode="auto">
           <a:xfrm>
-            <a:off x="10953750" y="2484660"/>
-            <a:ext cx="3483871" cy="8640000"/>
+            <a:off x="3377406" y="1618456"/>
+            <a:ext cx="2198687" cy="4678362"/>
+          </a:xfrm>
+          <a:prstGeom prst="rect">
+            <a:avLst/>
+          </a:prstGeom>
+          <a:noFill/>
+          <a:extLst>
+            <a:ext uri="{909E8E84-426E-40DD-AFC4-6F175D3DCCD1}">
+              <a14:hiddenFill xmlns:a14="http://schemas.microsoft.com/office/drawing/2010/main">
+                <a:solidFill>
+                  <a:srgbClr val="FFFFFF"/>
+                </a:solidFill>
+              </a14:hiddenFill>
+            </a:ext>
+          </a:extLst>
+        </p:spPr>
+      </p:pic>
+      <p:pic>
+        <p:nvPicPr>
+          <p:cNvPr id="5" name="Picture 24">
+            <a:extLst>
+              <a:ext uri="{FF2B5EF4-FFF2-40B4-BE49-F238E27FC236}">
+                <a16:creationId xmlns:a16="http://schemas.microsoft.com/office/drawing/2014/main" id="{8BD6B38A-7423-6D47-952A-C826EDF01B81}"/>
+              </a:ext>
+            </a:extLst>
+          </p:cNvPr>
+          <p:cNvPicPr>
+            <a:picLocks noChangeAspect="1" noChangeArrowheads="1"/>
+          </p:cNvPicPr>
+          <p:nvPr/>
+        </p:nvPicPr>
+        <p:blipFill>
+          <a:blip r:embed="rId3">
+            <a:extLst>
+              <a:ext uri="{28A0092B-C50C-407E-A947-70E740481C1C}">
+                <a14:useLocalDpi xmlns:a14="http://schemas.microsoft.com/office/drawing/2010/main" val="0"/>
+              </a:ext>
+            </a:extLst>
+          </a:blip>
+          <a:srcRect/>
+          <a:stretch>
+            <a:fillRect/>
+          </a:stretch>
+        </p:blipFill>
+        <p:spPr bwMode="auto">
+          <a:xfrm>
+            <a:off x="9257506" y="1618456"/>
+            <a:ext cx="1849437" cy="4678362"/>
+          </a:xfrm>
+          <a:prstGeom prst="rect">
+            <a:avLst/>
+          </a:prstGeom>
+          <a:noFill/>
+          <a:extLst>
+            <a:ext uri="{909E8E84-426E-40DD-AFC4-6F175D3DCCD1}">
+              <a14:hiddenFill xmlns:a14="http://schemas.microsoft.com/office/drawing/2010/main">
+                <a:solidFill>
+                  <a:srgbClr val="FFFFFF"/>
+                </a:solidFill>
+              </a14:hiddenFill>
+            </a:ext>
+          </a:extLst>
+        </p:spPr>
+      </p:pic>
+      <p:pic>
+        <p:nvPicPr>
+          <p:cNvPr id="6" name="Picture 25">
+            <a:extLst>
+              <a:ext uri="{FF2B5EF4-FFF2-40B4-BE49-F238E27FC236}">
+                <a16:creationId xmlns:a16="http://schemas.microsoft.com/office/drawing/2014/main" id="{3031CFD8-7BE4-804A-87BE-13DE108726D8}"/>
+              </a:ext>
+            </a:extLst>
+          </p:cNvPr>
+          <p:cNvPicPr>
+            <a:picLocks noChangeAspect="1" noChangeArrowheads="1"/>
+          </p:cNvPicPr>
+          <p:nvPr/>
+        </p:nvPicPr>
+        <p:blipFill>
+          <a:blip r:embed="rId4">
+            <a:extLst>
+              <a:ext uri="{28A0092B-C50C-407E-A947-70E740481C1C}">
+                <a14:useLocalDpi xmlns:a14="http://schemas.microsoft.com/office/drawing/2010/main" val="0"/>
+              </a:ext>
+            </a:extLst>
+          </a:blip>
+          <a:srcRect/>
+          <a:stretch>
+            <a:fillRect/>
+          </a:stretch>
+        </p:blipFill>
+        <p:spPr bwMode="auto">
+          <a:xfrm>
+            <a:off x="7422356" y="1618456"/>
+            <a:ext cx="1844675" cy="4678362"/>
+          </a:xfrm>
+          <a:prstGeom prst="rect">
+            <a:avLst/>
+          </a:prstGeom>
+          <a:noFill/>
+          <a:extLst>
+            <a:ext uri="{909E8E84-426E-40DD-AFC4-6F175D3DCCD1}">
+              <a14:hiddenFill xmlns:a14="http://schemas.microsoft.com/office/drawing/2010/main">
+                <a:solidFill>
+                  <a:srgbClr val="FFFFFF"/>
+                </a:solidFill>
+              </a14:hiddenFill>
+            </a:ext>
+          </a:extLst>
+        </p:spPr>
+      </p:pic>
+      <p:pic>
+        <p:nvPicPr>
+          <p:cNvPr id="7" name="Picture 26">
+            <a:extLst>
+              <a:ext uri="{FF2B5EF4-FFF2-40B4-BE49-F238E27FC236}">
+                <a16:creationId xmlns:a16="http://schemas.microsoft.com/office/drawing/2014/main" id="{C9EFC851-A479-E244-921F-F3D0118C3079}"/>
+              </a:ext>
+            </a:extLst>
+          </p:cNvPr>
+          <p:cNvPicPr>
+            <a:picLocks noChangeAspect="1" noChangeArrowheads="1"/>
+          </p:cNvPicPr>
+          <p:nvPr/>
+        </p:nvPicPr>
+        <p:blipFill>
+          <a:blip r:embed="rId5">
+            <a:extLst>
+              <a:ext uri="{28A0092B-C50C-407E-A947-70E740481C1C}">
+                <a14:useLocalDpi xmlns:a14="http://schemas.microsoft.com/office/drawing/2010/main" val="0"/>
+              </a:ext>
+            </a:extLst>
+          </a:blip>
+          <a:srcRect/>
+          <a:stretch>
+            <a:fillRect/>
+          </a:stretch>
+        </p:blipFill>
+        <p:spPr bwMode="auto">
+          <a:xfrm>
+            <a:off x="5569743" y="1618456"/>
+            <a:ext cx="1844675" cy="4678362"/>
           </a:xfrm>
           <a:prstGeom prst="rect">
             <a:avLst/>
@@ -3270,7 +3456,241 @@
     </p:spTree>
     <p:extLst>
       <p:ext uri="{BB962C8B-B14F-4D97-AF65-F5344CB8AC3E}">
-        <p14:creationId xmlns:p14="http://schemas.microsoft.com/office/powerpoint/2010/main" val="226330159"/>
+        <p14:creationId xmlns:p14="http://schemas.microsoft.com/office/powerpoint/2010/main" val="1924752422"/>
+      </p:ext>
+    </p:extLst>
+  </p:cSld>
+  <p:clrMapOvr>
+    <a:masterClrMapping/>
+  </p:clrMapOvr>
+</p:sld>
+</file>
+
+<file path=ppt/slides/slide3.xml><?xml version="1.0" encoding="utf-8"?>
+<p:sld xmlns:a="http://schemas.openxmlformats.org/drawingml/2006/main" xmlns:r="http://schemas.openxmlformats.org/officeDocument/2006/relationships" xmlns:p="http://schemas.openxmlformats.org/presentationml/2006/main">
+  <p:cSld>
+    <p:spTree>
+      <p:nvGrpSpPr>
+        <p:cNvPr id="1" name=""/>
+        <p:cNvGrpSpPr/>
+        <p:nvPr/>
+      </p:nvGrpSpPr>
+      <p:grpSpPr>
+        <a:xfrm>
+          <a:off x="0" y="0"/>
+          <a:ext cx="0" cy="0"/>
+          <a:chOff x="0" y="0"/>
+          <a:chExt cx="0" cy="0"/>
+        </a:xfrm>
+      </p:grpSpPr>
+      <p:grpSp>
+        <p:nvGrpSpPr>
+          <p:cNvPr id="3" name="Group 2">
+            <a:extLst>
+              <a:ext uri="{FF2B5EF4-FFF2-40B4-BE49-F238E27FC236}">
+                <a16:creationId xmlns:a16="http://schemas.microsoft.com/office/drawing/2014/main" id="{BDD02591-431A-2549-B6BE-F52528B058A6}"/>
+              </a:ext>
+            </a:extLst>
+          </p:cNvPr>
+          <p:cNvGrpSpPr>
+            <a:grpSpLocks noChangeAspect="1"/>
+          </p:cNvGrpSpPr>
+          <p:nvPr/>
+        </p:nvGrpSpPr>
+        <p:grpSpPr>
+          <a:xfrm>
+            <a:off x="600890" y="-344"/>
+            <a:ext cx="13198432" cy="7200000"/>
+            <a:chOff x="-907574" y="-1458944"/>
+            <a:chExt cx="15907080" cy="8677620"/>
+          </a:xfrm>
+        </p:grpSpPr>
+        <p:pic>
+          <p:nvPicPr>
+            <p:cNvPr id="1026" name="Picture 2" descr="C:\Users\Administrator\Desktop\Song-2010-DepthMap1.bmp"/>
+            <p:cNvPicPr>
+              <a:picLocks noChangeAspect="1" noChangeArrowheads="1"/>
+            </p:cNvPicPr>
+            <p:nvPr/>
+          </p:nvPicPr>
+          <p:blipFill>
+            <a:blip r:embed="rId2">
+              <a:extLst>
+                <a:ext uri="{28A0092B-C50C-407E-A947-70E740481C1C}">
+                  <a14:useLocalDpi xmlns:a14="http://schemas.microsoft.com/office/drawing/2010/main" val="0"/>
+                </a:ext>
+              </a:extLst>
+            </a:blip>
+            <a:srcRect/>
+            <a:stretch>
+              <a:fillRect/>
+            </a:stretch>
+          </p:blipFill>
+          <p:spPr bwMode="auto">
+            <a:xfrm>
+              <a:off x="7885906" y="-1458944"/>
+              <a:ext cx="3456000" cy="8588160"/>
+            </a:xfrm>
+            <a:prstGeom prst="rect">
+              <a:avLst/>
+            </a:prstGeom>
+            <a:noFill/>
+            <a:ln w="25400">
+              <a:noFill/>
+            </a:ln>
+            <a:extLst>
+              <a:ext uri="{909E8E84-426E-40DD-AFC4-6F175D3DCCD1}">
+                <a14:hiddenFill xmlns:a14="http://schemas.microsoft.com/office/drawing/2010/main">
+                  <a:solidFill>
+                    <a:srgbClr val="FFFFFF"/>
+                  </a:solidFill>
+                </a14:hiddenFill>
+              </a:ext>
+            </a:extLst>
+          </p:spPr>
+        </p:pic>
+        <p:pic>
+          <p:nvPicPr>
+            <p:cNvPr id="1028" name="Picture 4" descr="C:\Users\Administrator\Desktop\Song-2010-DepthMap.bmp"/>
+            <p:cNvPicPr>
+              <a:picLocks noChangeAspect="1" noChangeArrowheads="1"/>
+            </p:cNvPicPr>
+            <p:nvPr/>
+          </p:nvPicPr>
+          <p:blipFill>
+            <a:blip r:embed="rId3">
+              <a:extLst>
+                <a:ext uri="{BEBA8EAE-BF5A-486C-A8C5-ECC9F3942E4B}">
+                  <a14:imgProps xmlns:a14="http://schemas.microsoft.com/office/drawing/2010/main">
+                    <a14:imgLayer r:embed="rId4">
+                      <a14:imgEffect>
+                        <a14:brightnessContrast bright="6000"/>
+                      </a14:imgEffect>
+                    </a14:imgLayer>
+                  </a14:imgProps>
+                </a:ext>
+                <a:ext uri="{28A0092B-C50C-407E-A947-70E740481C1C}">
+                  <a14:useLocalDpi xmlns:a14="http://schemas.microsoft.com/office/drawing/2010/main" val="0"/>
+                </a:ext>
+              </a:extLst>
+            </a:blip>
+            <a:srcRect/>
+            <a:stretch>
+              <a:fillRect/>
+            </a:stretch>
+          </p:blipFill>
+          <p:spPr bwMode="auto">
+            <a:xfrm>
+              <a:off x="4165306" y="-1458944"/>
+              <a:ext cx="3492000" cy="8677620"/>
+            </a:xfrm>
+            <a:prstGeom prst="rect">
+              <a:avLst/>
+            </a:prstGeom>
+            <a:noFill/>
+            <a:ln w="25400">
+              <a:noFill/>
+            </a:ln>
+            <a:extLst>
+              <a:ext uri="{909E8E84-426E-40DD-AFC4-6F175D3DCCD1}">
+                <a14:hiddenFill xmlns:a14="http://schemas.microsoft.com/office/drawing/2010/main">
+                  <a:solidFill>
+                    <a:srgbClr val="FFFFFF"/>
+                  </a:solidFill>
+                </a14:hiddenFill>
+              </a:ext>
+            </a:extLst>
+          </p:spPr>
+        </p:pic>
+        <p:pic>
+          <p:nvPicPr>
+            <p:cNvPr id="1029" name="Picture 5" descr="C:\Users\Administrator\Desktop\Song-2010-DepthMap4.bmp"/>
+            <p:cNvPicPr>
+              <a:picLocks noChangeAspect="1" noChangeArrowheads="1"/>
+            </p:cNvPicPr>
+            <p:nvPr/>
+          </p:nvPicPr>
+          <p:blipFill rotWithShape="1">
+            <a:blip r:embed="rId5">
+              <a:extLst>
+                <a:ext uri="{28A0092B-C50C-407E-A947-70E740481C1C}">
+                  <a14:useLocalDpi xmlns:a14="http://schemas.microsoft.com/office/drawing/2010/main" val="0"/>
+                </a:ext>
+              </a:extLst>
+            </a:blip>
+            <a:srcRect l="2109" t="3354" r="6862"/>
+            <a:stretch/>
+          </p:blipFill>
+          <p:spPr bwMode="auto">
+            <a:xfrm>
+              <a:off x="-907574" y="-1423448"/>
+              <a:ext cx="4434841" cy="8640000"/>
+            </a:xfrm>
+            <a:prstGeom prst="rect">
+              <a:avLst/>
+            </a:prstGeom>
+            <a:noFill/>
+            <a:extLst>
+              <a:ext uri="{909E8E84-426E-40DD-AFC4-6F175D3DCCD1}">
+                <a14:hiddenFill xmlns:a14="http://schemas.microsoft.com/office/drawing/2010/main">
+                  <a:solidFill>
+                    <a:srgbClr val="FFFFFF"/>
+                  </a:solidFill>
+                </a14:hiddenFill>
+              </a:ext>
+            </a:extLst>
+          </p:spPr>
+        </p:pic>
+        <p:pic>
+          <p:nvPicPr>
+            <p:cNvPr id="5" name="Picture 4" descr="C:\Users\Administrator\Desktop\Song-2010-DepthMap2.bmp">
+              <a:extLst>
+                <a:ext uri="{FF2B5EF4-FFF2-40B4-BE49-F238E27FC236}">
+                  <a16:creationId xmlns:a16="http://schemas.microsoft.com/office/drawing/2014/main" id="{A19D0565-917D-434B-8605-EC1A3766CE5D}"/>
+                </a:ext>
+              </a:extLst>
+            </p:cNvPr>
+            <p:cNvPicPr>
+              <a:picLocks noChangeAspect="1" noChangeArrowheads="1"/>
+            </p:cNvPicPr>
+            <p:nvPr/>
+          </p:nvPicPr>
+          <p:blipFill rotWithShape="1">
+            <a:blip r:embed="rId6">
+              <a:extLst>
+                <a:ext uri="{28A0092B-C50C-407E-A947-70E740481C1C}">
+                  <a14:useLocalDpi xmlns:a14="http://schemas.microsoft.com/office/drawing/2010/main" val="0"/>
+                </a:ext>
+              </a:extLst>
+            </a:blip>
+            <a:srcRect b="577"/>
+            <a:stretch/>
+          </p:blipFill>
+          <p:spPr bwMode="auto">
+            <a:xfrm>
+              <a:off x="11543506" y="-1429544"/>
+              <a:ext cx="3456000" cy="8521456"/>
+            </a:xfrm>
+            <a:prstGeom prst="rect">
+              <a:avLst/>
+            </a:prstGeom>
+            <a:noFill/>
+            <a:extLst>
+              <a:ext uri="{909E8E84-426E-40DD-AFC4-6F175D3DCCD1}">
+                <a14:hiddenFill xmlns:a14="http://schemas.microsoft.com/office/drawing/2010/main">
+                  <a:solidFill>
+                    <a:srgbClr val="FFFFFF"/>
+                  </a:solidFill>
+                </a14:hiddenFill>
+              </a:ext>
+            </a:extLst>
+          </p:spPr>
+        </p:pic>
+      </p:grpSp>
+    </p:spTree>
+    <p:extLst>
+      <p:ext uri="{BB962C8B-B14F-4D97-AF65-F5344CB8AC3E}">
+        <p14:creationId xmlns:p14="http://schemas.microsoft.com/office/powerpoint/2010/main" val="683498236"/>
       </p:ext>
     </p:extLst>
   </p:cSld>
